--- a/Presentation/Math.pptx
+++ b/Presentation/Math.pptx
@@ -7,6 +7,7 @@
   <p:sldIdLst>
     <p:sldId id="256" r:id="rId2"/>
     <p:sldId id="257" r:id="rId3"/>
+    <p:sldId id="258" r:id="rId4"/>
   </p:sldIdLst>
   <p:sldSz cx="12192000" cy="6858000"/>
   <p:notesSz cx="6858000" cy="9144000"/>
@@ -3359,6 +3360,10 @@
           <a:bodyPr/>
           <a:lstStyle/>
           <a:p>
+            <a:r>
+              <a:rPr lang="en-US"/>
+              <a:t>Math</a:t>
+            </a:r>
             <a:endParaRPr lang="he-IL"/>
           </a:p>
         </p:txBody>
@@ -3562,15 +3567,15 @@
             </a:r>
             <a:r>
               <a:rPr lang="en-US" dirty="0"/>
-              <a:t>X,</a:t>
-            </a:r>
-            <a:r>
-              <a:rPr lang="en-US"/>
-              <a:t>Y</a:t>
-            </a:r>
-            <a:r>
-              <a:rPr lang="he-IL"/>
-              <a:t> בת"ל</a:t>
+              <a:t>X,Y</a:t>
+            </a:r>
+            <a:r>
+              <a:rPr lang="he-IL" dirty="0"/>
+              <a:t> </a:t>
+            </a:r>
+            <a:r>
+              <a:rPr lang="he-IL" dirty="0" err="1"/>
+              <a:t>בת"ל</a:t>
             </a:r>
             <a:endParaRPr lang="he-IL" dirty="0"/>
           </a:p>
@@ -3639,6 +3644,485 @@
     <p:extLst>
       <p:ext uri="{BB962C8B-B14F-4D97-AF65-F5344CB8AC3E}">
         <p14:creationId xmlns:p14="http://schemas.microsoft.com/office/powerpoint/2010/main" val="180634086"/>
+      </p:ext>
+    </p:extLst>
+  </p:cSld>
+  <p:clrMapOvr>
+    <a:masterClrMapping/>
+  </p:clrMapOvr>
+</p:sld>
+</file>
+
+<file path=ppt/slides/slide3.xml><?xml version="1.0" encoding="utf-8"?>
+<p:sld xmlns:a="http://schemas.openxmlformats.org/drawingml/2006/main" xmlns:r="http://schemas.openxmlformats.org/officeDocument/2006/relationships" xmlns:p="http://schemas.openxmlformats.org/presentationml/2006/main">
+  <p:cSld>
+    <p:spTree>
+      <p:nvGrpSpPr>
+        <p:cNvPr id="1" name=""/>
+        <p:cNvGrpSpPr/>
+        <p:nvPr/>
+      </p:nvGrpSpPr>
+      <p:grpSpPr>
+        <a:xfrm>
+          <a:off x="0" y="0"/>
+          <a:ext cx="0" cy="0"/>
+          <a:chOff x="0" y="0"/>
+          <a:chExt cx="0" cy="0"/>
+        </a:xfrm>
+      </p:grpSpPr>
+      <p:sp>
+        <p:nvSpPr>
+          <p:cNvPr id="2" name="כותרת 1">
+            <a:extLst>
+              <a:ext uri="{FF2B5EF4-FFF2-40B4-BE49-F238E27FC236}">
+                <a16:creationId xmlns:a16="http://schemas.microsoft.com/office/drawing/2014/main" id="{20A01595-6952-4DE6-A7E7-C86C913B9E19}"/>
+              </a:ext>
+            </a:extLst>
+          </p:cNvPr>
+          <p:cNvSpPr>
+            <a:spLocks noGrp="1"/>
+          </p:cNvSpPr>
+          <p:nvPr>
+            <p:ph type="title"/>
+          </p:nvPr>
+        </p:nvSpPr>
+        <p:spPr/>
+        <p:txBody>
+          <a:bodyPr/>
+          <a:lstStyle/>
+          <a:p>
+            <a:r>
+              <a:rPr lang="en-US" dirty="0"/>
+              <a:t>Cross entropy</a:t>
+            </a:r>
+            <a:endParaRPr lang="he-IL" dirty="0"/>
+          </a:p>
+        </p:txBody>
+      </p:sp>
+      <p:sp>
+        <p:nvSpPr>
+          <p:cNvPr id="3" name="מציין מיקום תוכן 2">
+            <a:extLst>
+              <a:ext uri="{FF2B5EF4-FFF2-40B4-BE49-F238E27FC236}">
+                <a16:creationId xmlns:a16="http://schemas.microsoft.com/office/drawing/2014/main" id="{EA0D5DF9-8063-4D12-A6A1-0487704627BA}"/>
+              </a:ext>
+            </a:extLst>
+          </p:cNvPr>
+          <p:cNvSpPr>
+            <a:spLocks noGrp="1"/>
+          </p:cNvSpPr>
+          <p:nvPr>
+            <p:ph idx="1"/>
+          </p:nvPr>
+        </p:nvSpPr>
+        <p:spPr/>
+        <p:txBody>
+          <a:bodyPr/>
+          <a:lstStyle/>
+          <a:p>
+            <a:r>
+              <a:rPr lang="he-IL" dirty="0"/>
+              <a:t>מדד להערכת השוני בין 2 התפלגויות (כמה שונות אחת </a:t>
+            </a:r>
+            <a:r>
+              <a:rPr lang="he-IL" dirty="0" err="1"/>
+              <a:t>מהשניה</a:t>
+            </a:r>
+            <a:r>
+              <a:rPr lang="he-IL" dirty="0"/>
+              <a:t>)</a:t>
+            </a:r>
+          </a:p>
+          <a:p>
+            <a:r>
+              <a:rPr lang="he-IL" dirty="0"/>
+              <a:t>נניח יש 3 קבוצות ו 2 התפלגויות שונות</a:t>
+            </a:r>
+          </a:p>
+          <a:p>
+            <a:pPr lvl="1"/>
+            <a:r>
+              <a:rPr lang="he-IL" dirty="0"/>
+              <a:t>נניח התפלגות אחת אמיתית והשנייה היא תוצאת ניבוי של ה </a:t>
+            </a:r>
+            <a:r>
+              <a:rPr lang="en-US" dirty="0"/>
+              <a:t>ML</a:t>
+            </a:r>
+            <a:endParaRPr lang="he-IL" dirty="0"/>
+          </a:p>
+          <a:p>
+            <a:pPr lvl="1"/>
+            <a:r>
+              <a:rPr lang="he-IL" dirty="0"/>
+              <a:t>אז תוצאת ה </a:t>
+            </a:r>
+            <a:r>
+              <a:rPr lang="en-US" dirty="0"/>
+              <a:t>cross entropy = 0.4</a:t>
+            </a:r>
+            <a:br>
+              <a:rPr lang="en-US" dirty="0"/>
+            </a:br>
+            <a:br>
+              <a:rPr lang="en-US" dirty="0"/>
+            </a:br>
+            <a:br>
+              <a:rPr lang="en-US" dirty="0"/>
+            </a:br>
+            <a:br>
+              <a:rPr lang="en-US" dirty="0"/>
+            </a:br>
+            <a:br>
+              <a:rPr lang="en-US" dirty="0"/>
+            </a:br>
+            <a:endParaRPr lang="he-IL" dirty="0"/>
+          </a:p>
+          <a:p>
+            <a:r>
+              <a:rPr lang="en-US" dirty="0"/>
+              <a:t>Cross entropy</a:t>
+            </a:r>
+            <a:r>
+              <a:rPr lang="he-IL" dirty="0"/>
+              <a:t> משמש כפונקציית </a:t>
+            </a:r>
+            <a:r>
+              <a:rPr lang="en-US" dirty="0"/>
+              <a:t>loss</a:t>
+            </a:r>
+            <a:endParaRPr lang="he-IL" dirty="0"/>
+          </a:p>
+          <a:p>
+            <a:pPr lvl="1"/>
+            <a:endParaRPr lang="he-IL" dirty="0"/>
+          </a:p>
+          <a:p>
+            <a:pPr lvl="1"/>
+            <a:endParaRPr lang="he-IL" dirty="0"/>
+          </a:p>
+        </p:txBody>
+      </p:sp>
+      <p:pic>
+        <p:nvPicPr>
+          <p:cNvPr id="2050" name="Picture 2" descr="Cross entropy loss formula">
+            <a:extLst>
+              <a:ext uri="{FF2B5EF4-FFF2-40B4-BE49-F238E27FC236}">
+                <a16:creationId xmlns:a16="http://schemas.microsoft.com/office/drawing/2014/main" id="{0B47C0A5-9B00-4491-8E9E-6BEE0E80F39E}"/>
+              </a:ext>
+            </a:extLst>
+          </p:cNvPr>
+          <p:cNvPicPr>
+            <a:picLocks noChangeAspect="1" noChangeArrowheads="1"/>
+          </p:cNvPicPr>
+          <p:nvPr/>
+        </p:nvPicPr>
+        <p:blipFill>
+          <a:blip r:embed="rId2">
+            <a:extLst>
+              <a:ext uri="{28A0092B-C50C-407E-A947-70E740481C1C}">
+                <a14:useLocalDpi xmlns:a14="http://schemas.microsoft.com/office/drawing/2010/main" val="0"/>
+              </a:ext>
+            </a:extLst>
+          </a:blip>
+          <a:srcRect/>
+          <a:stretch>
+            <a:fillRect/>
+          </a:stretch>
+        </p:blipFill>
+        <p:spPr bwMode="auto">
+          <a:xfrm>
+            <a:off x="991895" y="3734594"/>
+            <a:ext cx="2857500" cy="533400"/>
+          </a:xfrm>
+          <a:prstGeom prst="rect">
+            <a:avLst/>
+          </a:prstGeom>
+          <a:noFill/>
+          <a:extLst>
+            <a:ext uri="{909E8E84-426E-40DD-AFC4-6F175D3DCCD1}">
+              <a14:hiddenFill xmlns:a14="http://schemas.microsoft.com/office/drawing/2010/main">
+                <a:solidFill>
+                  <a:srgbClr val="FFFFFF"/>
+                </a:solidFill>
+              </a14:hiddenFill>
+            </a:ext>
+          </a:extLst>
+        </p:spPr>
+      </p:pic>
+      <p:graphicFrame>
+        <p:nvGraphicFramePr>
+          <p:cNvPr id="4" name="טבלה 4">
+            <a:extLst>
+              <a:ext uri="{FF2B5EF4-FFF2-40B4-BE49-F238E27FC236}">
+                <a16:creationId xmlns:a16="http://schemas.microsoft.com/office/drawing/2014/main" id="{D0E6E21C-4F04-45C5-BEB0-BEFDFAEE89D0}"/>
+              </a:ext>
+            </a:extLst>
+          </p:cNvPr>
+          <p:cNvGraphicFramePr>
+            <a:graphicFrameLocks noGrp="1"/>
+          </p:cNvGraphicFramePr>
+          <p:nvPr>
+            <p:extLst>
+              <p:ext uri="{D42A27DB-BD31-4B8C-83A1-F6EECF244321}">
+                <p14:modId xmlns:p14="http://schemas.microsoft.com/office/powerpoint/2010/main" val="2282550817"/>
+              </p:ext>
+            </p:extLst>
+          </p:nvPr>
+        </p:nvGraphicFramePr>
+        <p:xfrm>
+          <a:off x="6710807" y="3578275"/>
+          <a:ext cx="3662257" cy="1112520"/>
+        </p:xfrm>
+        <a:graphic>
+          <a:graphicData uri="http://schemas.openxmlformats.org/drawingml/2006/table">
+            <a:tbl>
+              <a:tblPr rtl="1" firstRow="1" bandRow="1">
+                <a:tableStyleId>{5C22544A-7EE6-4342-B048-85BDC9FD1C3A}</a:tableStyleId>
+              </a:tblPr>
+              <a:tblGrid>
+                <a:gridCol w="1236980">
+                  <a:extLst>
+                    <a:ext uri="{9D8B030D-6E8A-4147-A177-3AD203B41FA5}">
+                      <a16:colId xmlns:a16="http://schemas.microsoft.com/office/drawing/2014/main" val="2268629873"/>
+                    </a:ext>
+                  </a:extLst>
+                </a:gridCol>
+                <a:gridCol w="535305">
+                  <a:extLst>
+                    <a:ext uri="{9D8B030D-6E8A-4147-A177-3AD203B41FA5}">
+                      <a16:colId xmlns:a16="http://schemas.microsoft.com/office/drawing/2014/main" val="1415196913"/>
+                    </a:ext>
+                  </a:extLst>
+                </a:gridCol>
+                <a:gridCol w="535305">
+                  <a:extLst>
+                    <a:ext uri="{9D8B030D-6E8A-4147-A177-3AD203B41FA5}">
+                      <a16:colId xmlns:a16="http://schemas.microsoft.com/office/drawing/2014/main" val="3968337626"/>
+                    </a:ext>
+                  </a:extLst>
+                </a:gridCol>
+                <a:gridCol w="1354667">
+                  <a:extLst>
+                    <a:ext uri="{9D8B030D-6E8A-4147-A177-3AD203B41FA5}">
+                      <a16:colId xmlns:a16="http://schemas.microsoft.com/office/drawing/2014/main" val="852814199"/>
+                    </a:ext>
+                  </a:extLst>
+                </a:gridCol>
+              </a:tblGrid>
+              <a:tr h="370840">
+                <a:tc>
+                  <a:txBody>
+                    <a:bodyPr/>
+                    <a:lstStyle/>
+                    <a:p>
+                      <a:pPr rtl="1"/>
+                      <a:endParaRPr lang="he-IL"/>
+                    </a:p>
+                  </a:txBody>
+                  <a:tcPr/>
+                </a:tc>
+                <a:tc>
+                  <a:txBody>
+                    <a:bodyPr/>
+                    <a:lstStyle/>
+                    <a:p>
+                      <a:pPr rtl="1"/>
+                      <a:r>
+                        <a:rPr lang="en-US" dirty="0"/>
+                        <a:t>A</a:t>
+                      </a:r>
+                      <a:endParaRPr lang="he-IL" dirty="0"/>
+                    </a:p>
+                  </a:txBody>
+                  <a:tcPr/>
+                </a:tc>
+                <a:tc>
+                  <a:txBody>
+                    <a:bodyPr/>
+                    <a:lstStyle/>
+                    <a:p>
+                      <a:pPr rtl="1"/>
+                      <a:r>
+                        <a:rPr lang="en-US" dirty="0"/>
+                        <a:t>B</a:t>
+                      </a:r>
+                      <a:endParaRPr lang="he-IL" dirty="0"/>
+                    </a:p>
+                  </a:txBody>
+                  <a:tcPr/>
+                </a:tc>
+                <a:tc>
+                  <a:txBody>
+                    <a:bodyPr/>
+                    <a:lstStyle/>
+                    <a:p>
+                      <a:pPr rtl="1"/>
+                      <a:r>
+                        <a:rPr lang="en-US" dirty="0"/>
+                        <a:t>C</a:t>
+                      </a:r>
+                      <a:endParaRPr lang="he-IL" dirty="0"/>
+                    </a:p>
+                  </a:txBody>
+                  <a:tcPr/>
+                </a:tc>
+                <a:extLst>
+                  <a:ext uri="{0D108BD9-81ED-4DB2-BD59-A6C34878D82A}">
+                    <a16:rowId xmlns:a16="http://schemas.microsoft.com/office/drawing/2014/main" val="1151345925"/>
+                  </a:ext>
+                </a:extLst>
+              </a:tr>
+              <a:tr h="370840">
+                <a:tc>
+                  <a:txBody>
+                    <a:bodyPr/>
+                    <a:lstStyle/>
+                    <a:p>
+                      <a:pPr rtl="1"/>
+                      <a:r>
+                        <a:rPr lang="he-IL" dirty="0"/>
+                        <a:t>התפלגות </a:t>
+                      </a:r>
+                      <a:r>
+                        <a:rPr lang="en-US" dirty="0"/>
+                        <a:t>I</a:t>
+                      </a:r>
+                      <a:endParaRPr lang="he-IL" dirty="0"/>
+                    </a:p>
+                  </a:txBody>
+                  <a:tcPr/>
+                </a:tc>
+                <a:tc>
+                  <a:txBody>
+                    <a:bodyPr/>
+                    <a:lstStyle/>
+                    <a:p>
+                      <a:pPr rtl="1"/>
+                      <a:r>
+                        <a:rPr lang="en-US" dirty="0"/>
+                        <a:t>0.2</a:t>
+                      </a:r>
+                      <a:endParaRPr lang="he-IL" dirty="0"/>
+                    </a:p>
+                  </a:txBody>
+                  <a:tcPr/>
+                </a:tc>
+                <a:tc>
+                  <a:txBody>
+                    <a:bodyPr/>
+                    <a:lstStyle/>
+                    <a:p>
+                      <a:pPr rtl="1"/>
+                      <a:r>
+                        <a:rPr lang="en-US" dirty="0"/>
+                        <a:t>0.3</a:t>
+                      </a:r>
+                      <a:endParaRPr lang="he-IL" dirty="0"/>
+                    </a:p>
+                  </a:txBody>
+                  <a:tcPr/>
+                </a:tc>
+                <a:tc>
+                  <a:txBody>
+                    <a:bodyPr/>
+                    <a:lstStyle/>
+                    <a:p>
+                      <a:pPr rtl="1"/>
+                      <a:r>
+                        <a:rPr lang="en-US" dirty="0"/>
+                        <a:t>0.5</a:t>
+                      </a:r>
+                      <a:endParaRPr lang="he-IL" dirty="0"/>
+                    </a:p>
+                  </a:txBody>
+                  <a:tcPr/>
+                </a:tc>
+                <a:extLst>
+                  <a:ext uri="{0D108BD9-81ED-4DB2-BD59-A6C34878D82A}">
+                    <a16:rowId xmlns:a16="http://schemas.microsoft.com/office/drawing/2014/main" val="595699030"/>
+                  </a:ext>
+                </a:extLst>
+              </a:tr>
+              <a:tr h="370840">
+                <a:tc>
+                  <a:txBody>
+                    <a:bodyPr/>
+                    <a:lstStyle/>
+                    <a:p>
+                      <a:pPr rtl="1"/>
+                      <a:r>
+                        <a:rPr lang="he-IL" dirty="0"/>
+                        <a:t>התפלגות </a:t>
+                      </a:r>
+                      <a:r>
+                        <a:rPr lang="en-US" dirty="0"/>
+                        <a:t>II</a:t>
+                      </a:r>
+                      <a:endParaRPr lang="he-IL" dirty="0"/>
+                    </a:p>
+                  </a:txBody>
+                  <a:tcPr/>
+                </a:tc>
+                <a:tc>
+                  <a:txBody>
+                    <a:bodyPr/>
+                    <a:lstStyle/>
+                    <a:p>
+                      <a:pPr rtl="1"/>
+                      <a:r>
+                        <a:rPr lang="en-US" dirty="0"/>
+                        <a:t>0.1</a:t>
+                      </a:r>
+                      <a:endParaRPr lang="he-IL" dirty="0"/>
+                    </a:p>
+                  </a:txBody>
+                  <a:tcPr/>
+                </a:tc>
+                <a:tc>
+                  <a:txBody>
+                    <a:bodyPr/>
+                    <a:lstStyle/>
+                    <a:p>
+                      <a:pPr rtl="1"/>
+                      <a:r>
+                        <a:rPr lang="en-US" dirty="0"/>
+                        <a:t>0.8</a:t>
+                      </a:r>
+                      <a:endParaRPr lang="he-IL" dirty="0"/>
+                    </a:p>
+                  </a:txBody>
+                  <a:tcPr/>
+                </a:tc>
+                <a:tc>
+                  <a:txBody>
+                    <a:bodyPr/>
+                    <a:lstStyle/>
+                    <a:p>
+                      <a:pPr rtl="1"/>
+                      <a:r>
+                        <a:rPr lang="en-US" dirty="0"/>
+                        <a:t>0.1</a:t>
+                      </a:r>
+                      <a:endParaRPr lang="he-IL" dirty="0"/>
+                    </a:p>
+                  </a:txBody>
+                  <a:tcPr/>
+                </a:tc>
+                <a:extLst>
+                  <a:ext uri="{0D108BD9-81ED-4DB2-BD59-A6C34878D82A}">
+                    <a16:rowId xmlns:a16="http://schemas.microsoft.com/office/drawing/2014/main" val="2677607110"/>
+                  </a:ext>
+                </a:extLst>
+              </a:tr>
+            </a:tbl>
+          </a:graphicData>
+        </a:graphic>
+      </p:graphicFrame>
+    </p:spTree>
+    <p:extLst>
+      <p:ext uri="{BB962C8B-B14F-4D97-AF65-F5344CB8AC3E}">
+        <p14:creationId xmlns:p14="http://schemas.microsoft.com/office/powerpoint/2010/main" val="306179000"/>
       </p:ext>
     </p:extLst>
   </p:cSld>

--- a/Presentation/Math.pptx
+++ b/Presentation/Math.pptx
@@ -3361,10 +3361,10 @@
           <a:lstStyle/>
           <a:p>
             <a:r>
-              <a:rPr lang="en-US"/>
+              <a:rPr lang="en-US" dirty="0"/>
               <a:t>Math</a:t>
             </a:r>
-            <a:endParaRPr lang="he-IL"/>
+            <a:endParaRPr lang="he-IL" dirty="0"/>
           </a:p>
         </p:txBody>
       </p:sp>

--- a/Presentation/Math.pptx
+++ b/Presentation/Math.pptx
@@ -8,6 +8,10 @@
     <p:sldId id="256" r:id="rId2"/>
     <p:sldId id="257" r:id="rId3"/>
     <p:sldId id="258" r:id="rId4"/>
+    <p:sldId id="260" r:id="rId5"/>
+    <p:sldId id="261" r:id="rId6"/>
+    <p:sldId id="262" r:id="rId7"/>
+    <p:sldId id="259" r:id="rId8"/>
   </p:sldIdLst>
   <p:sldSz cx="12192000" cy="6858000"/>
   <p:notesSz cx="6858000" cy="9144000"/>
@@ -272,7 +276,7 @@
           <a:p>
             <a:fld id="{BCBF6756-5D99-4783-87EC-EC5190B7F2A9}" type="datetimeFigureOut">
               <a:rPr lang="he-IL" smtClean="0"/>
-              <a:t>כ"ג/ניסן/תש"פ</a:t>
+              <a:t>כ"ד/ניסן/תש"פ</a:t>
             </a:fld>
             <a:endParaRPr lang="he-IL"/>
           </a:p>
@@ -470,7 +474,7 @@
           <a:p>
             <a:fld id="{BCBF6756-5D99-4783-87EC-EC5190B7F2A9}" type="datetimeFigureOut">
               <a:rPr lang="he-IL" smtClean="0"/>
-              <a:t>כ"ג/ניסן/תש"פ</a:t>
+              <a:t>כ"ד/ניסן/תש"פ</a:t>
             </a:fld>
             <a:endParaRPr lang="he-IL"/>
           </a:p>
@@ -678,7 +682,7 @@
           <a:p>
             <a:fld id="{BCBF6756-5D99-4783-87EC-EC5190B7F2A9}" type="datetimeFigureOut">
               <a:rPr lang="he-IL" smtClean="0"/>
-              <a:t>כ"ג/ניסן/תש"פ</a:t>
+              <a:t>כ"ד/ניסן/תש"פ</a:t>
             </a:fld>
             <a:endParaRPr lang="he-IL"/>
           </a:p>
@@ -876,7 +880,7 @@
           <a:p>
             <a:fld id="{BCBF6756-5D99-4783-87EC-EC5190B7F2A9}" type="datetimeFigureOut">
               <a:rPr lang="he-IL" smtClean="0"/>
-              <a:t>כ"ג/ניסן/תש"פ</a:t>
+              <a:t>כ"ד/ניסן/תש"פ</a:t>
             </a:fld>
             <a:endParaRPr lang="he-IL"/>
           </a:p>
@@ -1151,7 +1155,7 @@
           <a:p>
             <a:fld id="{BCBF6756-5D99-4783-87EC-EC5190B7F2A9}" type="datetimeFigureOut">
               <a:rPr lang="he-IL" smtClean="0"/>
-              <a:t>כ"ג/ניסן/תש"פ</a:t>
+              <a:t>כ"ד/ניסן/תש"פ</a:t>
             </a:fld>
             <a:endParaRPr lang="he-IL"/>
           </a:p>
@@ -1416,7 +1420,7 @@
           <a:p>
             <a:fld id="{BCBF6756-5D99-4783-87EC-EC5190B7F2A9}" type="datetimeFigureOut">
               <a:rPr lang="he-IL" smtClean="0"/>
-              <a:t>כ"ג/ניסן/תש"פ</a:t>
+              <a:t>כ"ד/ניסן/תש"פ</a:t>
             </a:fld>
             <a:endParaRPr lang="he-IL"/>
           </a:p>
@@ -1828,7 +1832,7 @@
           <a:p>
             <a:fld id="{BCBF6756-5D99-4783-87EC-EC5190B7F2A9}" type="datetimeFigureOut">
               <a:rPr lang="he-IL" smtClean="0"/>
-              <a:t>כ"ג/ניסן/תש"פ</a:t>
+              <a:t>כ"ד/ניסן/תש"פ</a:t>
             </a:fld>
             <a:endParaRPr lang="he-IL"/>
           </a:p>
@@ -1969,7 +1973,7 @@
           <a:p>
             <a:fld id="{BCBF6756-5D99-4783-87EC-EC5190B7F2A9}" type="datetimeFigureOut">
               <a:rPr lang="he-IL" smtClean="0"/>
-              <a:t>כ"ג/ניסן/תש"פ</a:t>
+              <a:t>כ"ד/ניסן/תש"פ</a:t>
             </a:fld>
             <a:endParaRPr lang="he-IL"/>
           </a:p>
@@ -2082,7 +2086,7 @@
           <a:p>
             <a:fld id="{BCBF6756-5D99-4783-87EC-EC5190B7F2A9}" type="datetimeFigureOut">
               <a:rPr lang="he-IL" smtClean="0"/>
-              <a:t>כ"ג/ניסן/תש"פ</a:t>
+              <a:t>כ"ד/ניסן/תש"פ</a:t>
             </a:fld>
             <a:endParaRPr lang="he-IL"/>
           </a:p>
@@ -2393,7 +2397,7 @@
           <a:p>
             <a:fld id="{BCBF6756-5D99-4783-87EC-EC5190B7F2A9}" type="datetimeFigureOut">
               <a:rPr lang="he-IL" smtClean="0"/>
-              <a:t>כ"ג/ניסן/תש"פ</a:t>
+              <a:t>כ"ד/ניסן/תש"פ</a:t>
             </a:fld>
             <a:endParaRPr lang="he-IL"/>
           </a:p>
@@ -2681,7 +2685,7 @@
           <a:p>
             <a:fld id="{BCBF6756-5D99-4783-87EC-EC5190B7F2A9}" type="datetimeFigureOut">
               <a:rPr lang="he-IL" smtClean="0"/>
-              <a:t>כ"ג/ניסן/תש"פ</a:t>
+              <a:t>כ"ד/ניסן/תש"פ</a:t>
             </a:fld>
             <a:endParaRPr lang="he-IL"/>
           </a:p>
@@ -2922,7 +2926,7 @@
           <a:p>
             <a:fld id="{BCBF6756-5D99-4783-87EC-EC5190B7F2A9}" type="datetimeFigureOut">
               <a:rPr lang="he-IL" smtClean="0"/>
-              <a:t>כ"ג/ניסן/תש"פ</a:t>
+              <a:t>כ"ד/ניסן/תש"פ</a:t>
             </a:fld>
             <a:endParaRPr lang="he-IL"/>
           </a:p>
@@ -3695,6 +3699,18 @@
               <a:rPr lang="en-US" dirty="0"/>
               <a:t>Cross entropy</a:t>
             </a:r>
+            <a:r>
+              <a:rPr lang="he-IL" dirty="0"/>
+              <a:t> (נקרא גם </a:t>
+            </a:r>
+            <a:r>
+              <a:rPr lang="en-US" dirty="0"/>
+              <a:t>Log loss</a:t>
+            </a:r>
+            <a:r>
+              <a:rPr lang="he-IL"/>
+              <a:t>)</a:t>
+            </a:r>
             <a:endParaRPr lang="he-IL" dirty="0"/>
           </a:p>
         </p:txBody>
@@ -4123,6 +4139,644 @@
     <p:extLst>
       <p:ext uri="{BB962C8B-B14F-4D97-AF65-F5344CB8AC3E}">
         <p14:creationId xmlns:p14="http://schemas.microsoft.com/office/powerpoint/2010/main" val="306179000"/>
+      </p:ext>
+    </p:extLst>
+  </p:cSld>
+  <p:clrMapOvr>
+    <a:masterClrMapping/>
+  </p:clrMapOvr>
+</p:sld>
+</file>
+
+<file path=ppt/slides/slide4.xml><?xml version="1.0" encoding="utf-8"?>
+<p:sld xmlns:a="http://schemas.openxmlformats.org/drawingml/2006/main" xmlns:r="http://schemas.openxmlformats.org/officeDocument/2006/relationships" xmlns:p="http://schemas.openxmlformats.org/presentationml/2006/main">
+  <p:cSld>
+    <p:spTree>
+      <p:nvGrpSpPr>
+        <p:cNvPr id="1" name=""/>
+        <p:cNvGrpSpPr/>
+        <p:nvPr/>
+      </p:nvGrpSpPr>
+      <p:grpSpPr>
+        <a:xfrm>
+          <a:off x="0" y="0"/>
+          <a:ext cx="0" cy="0"/>
+          <a:chOff x="0" y="0"/>
+          <a:chExt cx="0" cy="0"/>
+        </a:xfrm>
+      </p:grpSpPr>
+      <p:sp>
+        <p:nvSpPr>
+          <p:cNvPr id="2" name="כותרת 1">
+            <a:extLst>
+              <a:ext uri="{FF2B5EF4-FFF2-40B4-BE49-F238E27FC236}">
+                <a16:creationId xmlns:a16="http://schemas.microsoft.com/office/drawing/2014/main" id="{F34A1951-7CFA-4FC1-A10A-8548E8AF0A0F}"/>
+              </a:ext>
+            </a:extLst>
+          </p:cNvPr>
+          <p:cNvSpPr>
+            <a:spLocks noGrp="1"/>
+          </p:cNvSpPr>
+          <p:nvPr>
+            <p:ph type="title"/>
+          </p:nvPr>
+        </p:nvSpPr>
+        <p:spPr/>
+        <p:txBody>
+          <a:bodyPr/>
+          <a:lstStyle/>
+          <a:p>
+            <a:r>
+              <a:rPr lang="en-US" dirty="0"/>
+              <a:t>CDF (Cumulative distribution function)</a:t>
+            </a:r>
+            <a:endParaRPr lang="he-IL" dirty="0"/>
+          </a:p>
+        </p:txBody>
+      </p:sp>
+      <p:sp>
+        <p:nvSpPr>
+          <p:cNvPr id="3" name="מציין מיקום תוכן 2">
+            <a:extLst>
+              <a:ext uri="{FF2B5EF4-FFF2-40B4-BE49-F238E27FC236}">
+                <a16:creationId xmlns:a16="http://schemas.microsoft.com/office/drawing/2014/main" id="{4959F5A2-391D-4CF7-8E27-5F500E6463EF}"/>
+              </a:ext>
+            </a:extLst>
+          </p:cNvPr>
+          <p:cNvSpPr>
+            <a:spLocks noGrp="1"/>
+          </p:cNvSpPr>
+          <p:nvPr>
+            <p:ph idx="1"/>
+          </p:nvPr>
+        </p:nvSpPr>
+        <p:spPr/>
+        <p:txBody>
+          <a:bodyPr/>
+          <a:lstStyle/>
+          <a:p>
+            <a:r>
+              <a:rPr lang="he-IL" dirty="0"/>
+              <a:t>פונקציית הסתברות מצטברת</a:t>
+            </a:r>
+          </a:p>
+          <a:p>
+            <a:r>
+              <a:rPr lang="he-IL" dirty="0"/>
+              <a:t>דוגמא:</a:t>
+            </a:r>
+          </a:p>
+          <a:p>
+            <a:pPr lvl="1"/>
+            <a:r>
+              <a:rPr lang="he-IL" dirty="0"/>
+              <a:t>אנו רוצים לדעת מה ההסתברות של אדם להיות בגבוה לכל היותר 1.80</a:t>
+            </a:r>
+          </a:p>
+          <a:p>
+            <a:pPr lvl="1"/>
+            <a:r>
+              <a:rPr lang="en-US" dirty="0"/>
+              <a:t>F(X) = F(X = 1.8) = 0.93</a:t>
+            </a:r>
+            <a:r>
+              <a:rPr lang="he-IL" dirty="0"/>
+              <a:t> כלומר 93% סיכוי שאדם בגובה עד 1.80 ס"מ</a:t>
+            </a:r>
+          </a:p>
+          <a:p>
+            <a:r>
+              <a:rPr lang="en-US" dirty="0"/>
+              <a:t>P(a &lt;= x &lt;= b) = F(b) – F(a)</a:t>
+            </a:r>
+            <a:endParaRPr lang="he-IL" dirty="0"/>
+          </a:p>
+        </p:txBody>
+      </p:sp>
+    </p:spTree>
+    <p:extLst>
+      <p:ext uri="{BB962C8B-B14F-4D97-AF65-F5344CB8AC3E}">
+        <p14:creationId xmlns:p14="http://schemas.microsoft.com/office/powerpoint/2010/main" val="3681005578"/>
+      </p:ext>
+    </p:extLst>
+  </p:cSld>
+  <p:clrMapOvr>
+    <a:masterClrMapping/>
+  </p:clrMapOvr>
+</p:sld>
+</file>
+
+<file path=ppt/slides/slide5.xml><?xml version="1.0" encoding="utf-8"?>
+<p:sld xmlns:a="http://schemas.openxmlformats.org/drawingml/2006/main" xmlns:r="http://schemas.openxmlformats.org/officeDocument/2006/relationships" xmlns:p="http://schemas.openxmlformats.org/presentationml/2006/main">
+  <p:cSld>
+    <p:spTree>
+      <p:nvGrpSpPr>
+        <p:cNvPr id="1" name=""/>
+        <p:cNvGrpSpPr/>
+        <p:nvPr/>
+      </p:nvGrpSpPr>
+      <p:grpSpPr>
+        <a:xfrm>
+          <a:off x="0" y="0"/>
+          <a:ext cx="0" cy="0"/>
+          <a:chOff x="0" y="0"/>
+          <a:chExt cx="0" cy="0"/>
+        </a:xfrm>
+      </p:grpSpPr>
+      <p:sp>
+        <p:nvSpPr>
+          <p:cNvPr id="2" name="כותרת 1">
+            <a:extLst>
+              <a:ext uri="{FF2B5EF4-FFF2-40B4-BE49-F238E27FC236}">
+                <a16:creationId xmlns:a16="http://schemas.microsoft.com/office/drawing/2014/main" id="{F455AD62-8C67-4F04-9550-300C27AC4924}"/>
+              </a:ext>
+            </a:extLst>
+          </p:cNvPr>
+          <p:cNvSpPr>
+            <a:spLocks noGrp="1"/>
+          </p:cNvSpPr>
+          <p:nvPr>
+            <p:ph type="title"/>
+          </p:nvPr>
+        </p:nvSpPr>
+        <p:spPr>
+          <a:xfrm>
+            <a:off x="838200" y="365125"/>
+            <a:ext cx="10515600" cy="763587"/>
+          </a:xfrm>
+        </p:spPr>
+        <p:txBody>
+          <a:bodyPr/>
+          <a:lstStyle/>
+          <a:p>
+            <a:r>
+              <a:rPr lang="en-US" dirty="0"/>
+              <a:t>ECDF (Empirical CDF)</a:t>
+            </a:r>
+            <a:endParaRPr lang="he-IL" dirty="0"/>
+          </a:p>
+        </p:txBody>
+      </p:sp>
+      <p:sp>
+        <p:nvSpPr>
+          <p:cNvPr id="3" name="מציין מיקום תוכן 2">
+            <a:extLst>
+              <a:ext uri="{FF2B5EF4-FFF2-40B4-BE49-F238E27FC236}">
+                <a16:creationId xmlns:a16="http://schemas.microsoft.com/office/drawing/2014/main" id="{C9C868F8-4C6B-4AC2-960A-344E4DD92236}"/>
+              </a:ext>
+            </a:extLst>
+          </p:cNvPr>
+          <p:cNvSpPr>
+            <a:spLocks noGrp="1"/>
+          </p:cNvSpPr>
+          <p:nvPr>
+            <p:ph idx="1"/>
+          </p:nvPr>
+        </p:nvSpPr>
+        <p:spPr>
+          <a:xfrm>
+            <a:off x="335280" y="1128712"/>
+            <a:ext cx="11419840" cy="5048251"/>
+          </a:xfrm>
+        </p:spPr>
+        <p:txBody>
+          <a:bodyPr/>
+          <a:lstStyle/>
+          <a:p>
+            <a:r>
+              <a:rPr lang="he-IL" dirty="0"/>
+              <a:t>הערכה ל </a:t>
+            </a:r>
+            <a:r>
+              <a:rPr lang="en-US" dirty="0"/>
+              <a:t>CDF</a:t>
+            </a:r>
+            <a:endParaRPr lang="he-IL" dirty="0"/>
+          </a:p>
+          <a:p>
+            <a:pPr lvl="1"/>
+            <a:r>
+              <a:rPr lang="en-US" dirty="0"/>
+              <a:t>CDF</a:t>
+            </a:r>
+            <a:r>
+              <a:rPr lang="he-IL" dirty="0"/>
+              <a:t> הינו תאורטי (כאשר יש אינסוף דגימות</a:t>
+            </a:r>
+          </a:p>
+          <a:p>
+            <a:r>
+              <a:rPr lang="he-IL" dirty="0"/>
+              <a:t>מסומן כ </a:t>
+            </a:r>
+            <a:r>
+              <a:rPr lang="en-US" dirty="0"/>
+              <a:t>G(x)</a:t>
+            </a:r>
+            <a:r>
+              <a:rPr lang="he-IL" dirty="0"/>
+              <a:t> ומתבסס על ניסויים / דגימות (ולכן נקרא </a:t>
+            </a:r>
+            <a:r>
+              <a:rPr lang="en-US" dirty="0"/>
+              <a:t>empirical</a:t>
+            </a:r>
+            <a:r>
+              <a:rPr lang="he-IL" dirty="0"/>
+              <a:t>).</a:t>
+            </a:r>
+          </a:p>
+          <a:p>
+            <a:r>
+              <a:rPr lang="he-IL" dirty="0"/>
+              <a:t>דוגמא:</a:t>
+            </a:r>
+          </a:p>
+          <a:p>
+            <a:pPr lvl="1"/>
+            <a:r>
+              <a:rPr lang="he-IL" dirty="0"/>
+              <a:t>הטלת מטבע, כאשר </a:t>
+            </a:r>
+            <a:r>
+              <a:rPr lang="en-US" dirty="0"/>
+              <a:t>X=1</a:t>
+            </a:r>
+            <a:r>
+              <a:rPr lang="he-IL" dirty="0"/>
+              <a:t> עבור </a:t>
+            </a:r>
+            <a:r>
+              <a:rPr lang="en-US" dirty="0"/>
+              <a:t>head</a:t>
+            </a:r>
+            <a:r>
+              <a:rPr lang="he-IL" dirty="0"/>
+              <a:t> ו </a:t>
+            </a:r>
+            <a:r>
+              <a:rPr lang="en-US" dirty="0"/>
+              <a:t>x=0</a:t>
+            </a:r>
+            <a:r>
+              <a:rPr lang="he-IL" dirty="0"/>
+              <a:t> עבור </a:t>
+            </a:r>
+            <a:r>
+              <a:rPr lang="en-US" dirty="0"/>
+              <a:t>tail</a:t>
+            </a:r>
+            <a:br>
+              <a:rPr lang="en-US" dirty="0"/>
+            </a:br>
+            <a:endParaRPr lang="he-IL" dirty="0"/>
+          </a:p>
+          <a:p>
+            <a:r>
+              <a:rPr lang="he-IL" dirty="0"/>
+              <a:t>ניתן לראות את ההבדל בין </a:t>
+            </a:r>
+            <a:br>
+              <a:rPr lang="en-US" dirty="0"/>
+            </a:br>
+            <a:r>
+              <a:rPr lang="en-US" dirty="0"/>
+              <a:t>CDF</a:t>
+            </a:r>
+            <a:r>
+              <a:rPr lang="he-IL" dirty="0"/>
+              <a:t> תאורטי ל </a:t>
+            </a:r>
+            <a:r>
+              <a:rPr lang="en-US" dirty="0"/>
+              <a:t>ECDF</a:t>
+            </a:r>
+            <a:r>
+              <a:rPr lang="he-IL" dirty="0"/>
+              <a:t> (מעשי):</a:t>
+            </a:r>
+          </a:p>
+          <a:p>
+            <a:endParaRPr lang="he-IL" dirty="0"/>
+          </a:p>
+        </p:txBody>
+      </p:sp>
+      <p:pic>
+        <p:nvPicPr>
+          <p:cNvPr id="4" name="תמונה 3">
+            <a:extLst>
+              <a:ext uri="{FF2B5EF4-FFF2-40B4-BE49-F238E27FC236}">
+                <a16:creationId xmlns:a16="http://schemas.microsoft.com/office/drawing/2014/main" id="{C96286B9-0936-44F3-B99A-3C9A1F974CC9}"/>
+              </a:ext>
+            </a:extLst>
+          </p:cNvPr>
+          <p:cNvPicPr>
+            <a:picLocks noChangeAspect="1"/>
+          </p:cNvPicPr>
+          <p:nvPr/>
+        </p:nvPicPr>
+        <p:blipFill>
+          <a:blip r:embed="rId2"/>
+          <a:stretch>
+            <a:fillRect/>
+          </a:stretch>
+        </p:blipFill>
+        <p:spPr>
+          <a:xfrm>
+            <a:off x="948378" y="2809240"/>
+            <a:ext cx="3744298" cy="1967667"/>
+          </a:xfrm>
+          <a:prstGeom prst="rect">
+            <a:avLst/>
+          </a:prstGeom>
+        </p:spPr>
+      </p:pic>
+      <p:pic>
+        <p:nvPicPr>
+          <p:cNvPr id="1026" name="Picture 2" descr="Empirical CDF vs CDF">
+            <a:extLst>
+              <a:ext uri="{FF2B5EF4-FFF2-40B4-BE49-F238E27FC236}">
+                <a16:creationId xmlns:a16="http://schemas.microsoft.com/office/drawing/2014/main" id="{2C094BC7-CA24-4477-B5CD-A5F05F26AC8A}"/>
+              </a:ext>
+            </a:extLst>
+          </p:cNvPr>
+          <p:cNvPicPr>
+            <a:picLocks noChangeAspect="1" noChangeArrowheads="1"/>
+          </p:cNvPicPr>
+          <p:nvPr/>
+        </p:nvPicPr>
+        <p:blipFill>
+          <a:blip r:embed="rId3">
+            <a:extLst>
+              <a:ext uri="{28A0092B-C50C-407E-A947-70E740481C1C}">
+                <a14:useLocalDpi xmlns:a14="http://schemas.microsoft.com/office/drawing/2010/main" val="0"/>
+              </a:ext>
+            </a:extLst>
+          </a:blip>
+          <a:srcRect/>
+          <a:stretch>
+            <a:fillRect/>
+          </a:stretch>
+        </p:blipFill>
+        <p:spPr bwMode="auto">
+          <a:xfrm>
+            <a:off x="4803140" y="4886959"/>
+            <a:ext cx="4191000" cy="1909127"/>
+          </a:xfrm>
+          <a:prstGeom prst="rect">
+            <a:avLst/>
+          </a:prstGeom>
+          <a:noFill/>
+          <a:extLst>
+            <a:ext uri="{909E8E84-426E-40DD-AFC4-6F175D3DCCD1}">
+              <a14:hiddenFill xmlns:a14="http://schemas.microsoft.com/office/drawing/2010/main">
+                <a:solidFill>
+                  <a:srgbClr val="FFFFFF"/>
+                </a:solidFill>
+              </a14:hiddenFill>
+            </a:ext>
+          </a:extLst>
+        </p:spPr>
+      </p:pic>
+    </p:spTree>
+    <p:extLst>
+      <p:ext uri="{BB962C8B-B14F-4D97-AF65-F5344CB8AC3E}">
+        <p14:creationId xmlns:p14="http://schemas.microsoft.com/office/powerpoint/2010/main" val="93093597"/>
+      </p:ext>
+    </p:extLst>
+  </p:cSld>
+  <p:clrMapOvr>
+    <a:masterClrMapping/>
+  </p:clrMapOvr>
+</p:sld>
+</file>
+
+<file path=ppt/slides/slide6.xml><?xml version="1.0" encoding="utf-8"?>
+<p:sld xmlns:a="http://schemas.openxmlformats.org/drawingml/2006/main" xmlns:r="http://schemas.openxmlformats.org/officeDocument/2006/relationships" xmlns:p="http://schemas.openxmlformats.org/presentationml/2006/main">
+  <p:cSld>
+    <p:spTree>
+      <p:nvGrpSpPr>
+        <p:cNvPr id="1" name=""/>
+        <p:cNvGrpSpPr/>
+        <p:nvPr/>
+      </p:nvGrpSpPr>
+      <p:grpSpPr>
+        <a:xfrm>
+          <a:off x="0" y="0"/>
+          <a:ext cx="0" cy="0"/>
+          <a:chOff x="0" y="0"/>
+          <a:chExt cx="0" cy="0"/>
+        </a:xfrm>
+      </p:grpSpPr>
+      <p:sp>
+        <p:nvSpPr>
+          <p:cNvPr id="2" name="כותרת 1">
+            <a:extLst>
+              <a:ext uri="{FF2B5EF4-FFF2-40B4-BE49-F238E27FC236}">
+                <a16:creationId xmlns:a16="http://schemas.microsoft.com/office/drawing/2014/main" id="{7A21E3C2-4504-4B1B-8ADB-1B74321EF161}"/>
+              </a:ext>
+            </a:extLst>
+          </p:cNvPr>
+          <p:cNvSpPr>
+            <a:spLocks noGrp="1"/>
+          </p:cNvSpPr>
+          <p:nvPr>
+            <p:ph type="title"/>
+          </p:nvPr>
+        </p:nvSpPr>
+        <p:spPr/>
+        <p:txBody>
+          <a:bodyPr/>
+          <a:lstStyle/>
+          <a:p>
+            <a:r>
+              <a:rPr lang="en-US" dirty="0"/>
+              <a:t>Null hypothesis</a:t>
+            </a:r>
+            <a:endParaRPr lang="he-IL" dirty="0"/>
+          </a:p>
+        </p:txBody>
+      </p:sp>
+      <p:sp>
+        <p:nvSpPr>
+          <p:cNvPr id="3" name="מציין מיקום תוכן 2">
+            <a:extLst>
+              <a:ext uri="{FF2B5EF4-FFF2-40B4-BE49-F238E27FC236}">
+                <a16:creationId xmlns:a16="http://schemas.microsoft.com/office/drawing/2014/main" id="{23991A83-300D-4A06-BD7D-4BDAE0429BE1}"/>
+              </a:ext>
+            </a:extLst>
+          </p:cNvPr>
+          <p:cNvSpPr>
+            <a:spLocks noGrp="1"/>
+          </p:cNvSpPr>
+          <p:nvPr>
+            <p:ph idx="1"/>
+          </p:nvPr>
+        </p:nvSpPr>
+        <p:spPr/>
+        <p:txBody>
+          <a:bodyPr/>
+          <a:lstStyle/>
+          <a:p>
+            <a:r>
+              <a:rPr lang="he-IL" dirty="0"/>
+              <a:t>השערה – טענה לא מוכחת המתבססת על ניסויים.</a:t>
+            </a:r>
+          </a:p>
+          <a:p>
+            <a:pPr lvl="1"/>
+            <a:r>
+              <a:rPr lang="he-IL" dirty="0"/>
+              <a:t>דוגמא:</a:t>
+            </a:r>
+          </a:p>
+          <a:p>
+            <a:pPr lvl="2"/>
+            <a:r>
+              <a:rPr lang="he-IL" dirty="0"/>
+              <a:t>השקיית צמחים בסודה גורמת להם לגדול מהר יותר מאשר השקיה במים.</a:t>
+            </a:r>
+          </a:p>
+          <a:p>
+            <a:pPr lvl="2"/>
+            <a:r>
+              <a:rPr lang="he-IL" dirty="0"/>
+              <a:t>הטענה נבדקה במשך חודש ונראתה נכונה.</a:t>
+            </a:r>
+          </a:p>
+          <a:p>
+            <a:r>
+              <a:rPr lang="he-IL" dirty="0"/>
+              <a:t>השערת האפס </a:t>
+            </a:r>
+          </a:p>
+          <a:p>
+            <a:pPr lvl="1"/>
+            <a:r>
+              <a:rPr lang="he-IL" dirty="0"/>
+              <a:t>השערת האפס מציינת שאין הבדל בין המשתנים בהשערה</a:t>
+            </a:r>
+          </a:p>
+          <a:p>
+            <a:pPr lvl="1"/>
+            <a:r>
+              <a:rPr lang="he-IL" dirty="0"/>
+              <a:t>דוגמא:</a:t>
+            </a:r>
+          </a:p>
+          <a:p>
+            <a:pPr lvl="2"/>
+            <a:r>
+              <a:rPr lang="he-IL" dirty="0"/>
+              <a:t>אין הבדל סטטיסטי משמעותי בין השקיית מים להשקיית סודה</a:t>
+            </a:r>
+          </a:p>
+          <a:p>
+            <a:pPr lvl="1"/>
+            <a:r>
+              <a:rPr lang="he-IL" dirty="0" err="1"/>
+              <a:t>בדר"כ</a:t>
+            </a:r>
+            <a:r>
+              <a:rPr lang="he-IL" dirty="0"/>
+              <a:t> מנסיים לשלול את השערת האפס ורוצים להראות שיש </a:t>
+            </a:r>
+            <a:r>
+              <a:rPr lang="he-IL"/>
+              <a:t>הבדל משמעותי </a:t>
+            </a:r>
+            <a:endParaRPr lang="he-IL" dirty="0"/>
+          </a:p>
+        </p:txBody>
+      </p:sp>
+    </p:spTree>
+    <p:extLst>
+      <p:ext uri="{BB962C8B-B14F-4D97-AF65-F5344CB8AC3E}">
+        <p14:creationId xmlns:p14="http://schemas.microsoft.com/office/powerpoint/2010/main" val="3909362317"/>
+      </p:ext>
+    </p:extLst>
+  </p:cSld>
+  <p:clrMapOvr>
+    <a:masterClrMapping/>
+  </p:clrMapOvr>
+</p:sld>
+</file>
+
+<file path=ppt/slides/slide7.xml><?xml version="1.0" encoding="utf-8"?>
+<p:sld xmlns:a="http://schemas.openxmlformats.org/drawingml/2006/main" xmlns:r="http://schemas.openxmlformats.org/officeDocument/2006/relationships" xmlns:p="http://schemas.openxmlformats.org/presentationml/2006/main">
+  <p:cSld>
+    <p:spTree>
+      <p:nvGrpSpPr>
+        <p:cNvPr id="1" name=""/>
+        <p:cNvGrpSpPr/>
+        <p:nvPr/>
+      </p:nvGrpSpPr>
+      <p:grpSpPr>
+        <a:xfrm>
+          <a:off x="0" y="0"/>
+          <a:ext cx="0" cy="0"/>
+          <a:chOff x="0" y="0"/>
+          <a:chExt cx="0" cy="0"/>
+        </a:xfrm>
+      </p:grpSpPr>
+      <p:sp>
+        <p:nvSpPr>
+          <p:cNvPr id="2" name="כותרת 1">
+            <a:extLst>
+              <a:ext uri="{FF2B5EF4-FFF2-40B4-BE49-F238E27FC236}">
+                <a16:creationId xmlns:a16="http://schemas.microsoft.com/office/drawing/2014/main" id="{992931ED-E853-47F9-9706-0690D9591C90}"/>
+              </a:ext>
+            </a:extLst>
+          </p:cNvPr>
+          <p:cNvSpPr>
+            <a:spLocks noGrp="1"/>
+          </p:cNvSpPr>
+          <p:nvPr>
+            <p:ph type="title"/>
+          </p:nvPr>
+        </p:nvSpPr>
+        <p:spPr/>
+        <p:txBody>
+          <a:bodyPr/>
+          <a:lstStyle/>
+          <a:p>
+            <a:r>
+              <a:rPr lang="en-US"/>
+              <a:t>Kolmogorov-Smirnov test</a:t>
+            </a:r>
+            <a:endParaRPr lang="he-IL"/>
+          </a:p>
+        </p:txBody>
+      </p:sp>
+      <p:sp>
+        <p:nvSpPr>
+          <p:cNvPr id="3" name="מציין מיקום תוכן 2">
+            <a:extLst>
+              <a:ext uri="{FF2B5EF4-FFF2-40B4-BE49-F238E27FC236}">
+                <a16:creationId xmlns:a16="http://schemas.microsoft.com/office/drawing/2014/main" id="{D7C3CAF1-78A3-4D90-A10C-AEE7B429440B}"/>
+              </a:ext>
+            </a:extLst>
+          </p:cNvPr>
+          <p:cNvSpPr>
+            <a:spLocks noGrp="1"/>
+          </p:cNvSpPr>
+          <p:nvPr>
+            <p:ph idx="1"/>
+          </p:nvPr>
+        </p:nvSpPr>
+        <p:spPr/>
+        <p:txBody>
+          <a:bodyPr/>
+          <a:lstStyle/>
+          <a:p>
+            <a:endParaRPr lang="he-IL"/>
+          </a:p>
+        </p:txBody>
+      </p:sp>
+    </p:spTree>
+    <p:extLst>
+      <p:ext uri="{BB962C8B-B14F-4D97-AF65-F5344CB8AC3E}">
+        <p14:creationId xmlns:p14="http://schemas.microsoft.com/office/powerpoint/2010/main" val="2124610816"/>
       </p:ext>
     </p:extLst>
   </p:cSld>

--- a/Presentation/Math.pptx
+++ b/Presentation/Math.pptx
@@ -11,7 +11,8 @@
     <p:sldId id="260" r:id="rId5"/>
     <p:sldId id="261" r:id="rId6"/>
     <p:sldId id="262" r:id="rId7"/>
-    <p:sldId id="259" r:id="rId8"/>
+    <p:sldId id="263" r:id="rId8"/>
+    <p:sldId id="259" r:id="rId9"/>
   </p:sldIdLst>
   <p:sldSz cx="12192000" cy="6858000"/>
   <p:notesSz cx="6858000" cy="9144000"/>
@@ -3878,13 +3879,7 @@
           <p:cNvGraphicFramePr>
             <a:graphicFrameLocks noGrp="1"/>
           </p:cNvGraphicFramePr>
-          <p:nvPr>
-            <p:extLst>
-              <p:ext uri="{D42A27DB-BD31-4B8C-83A1-F6EECF244321}">
-                <p14:modId xmlns:p14="http://schemas.microsoft.com/office/powerpoint/2010/main" val="2282550817"/>
-              </p:ext>
-            </p:extLst>
-          </p:nvPr>
+          <p:nvPr/>
         </p:nvGraphicFramePr>
         <p:xfrm>
           <a:off x="6710807" y="3578275"/>
@@ -4724,6 +4719,163 @@
           <p:cNvPr id="2" name="כותרת 1">
             <a:extLst>
               <a:ext uri="{FF2B5EF4-FFF2-40B4-BE49-F238E27FC236}">
+                <a16:creationId xmlns:a16="http://schemas.microsoft.com/office/drawing/2014/main" id="{2DFDCC15-89FA-4AFC-9F6D-2A9FAABE55B2}"/>
+              </a:ext>
+            </a:extLst>
+          </p:cNvPr>
+          <p:cNvSpPr>
+            <a:spLocks noGrp="1"/>
+          </p:cNvSpPr>
+          <p:nvPr>
+            <p:ph type="title"/>
+          </p:nvPr>
+        </p:nvSpPr>
+        <p:spPr/>
+        <p:txBody>
+          <a:bodyPr/>
+          <a:lstStyle/>
+          <a:p>
+            <a:r>
+              <a:rPr lang="en-US" dirty="0"/>
+              <a:t>T-test (student test)</a:t>
+            </a:r>
+            <a:endParaRPr lang="he-IL" dirty="0"/>
+          </a:p>
+        </p:txBody>
+      </p:sp>
+      <p:sp>
+        <p:nvSpPr>
+          <p:cNvPr id="3" name="מציין מיקום תוכן 2">
+            <a:extLst>
+              <a:ext uri="{FF2B5EF4-FFF2-40B4-BE49-F238E27FC236}">
+                <a16:creationId xmlns:a16="http://schemas.microsoft.com/office/drawing/2014/main" id="{FC816068-68F9-4320-AD02-25857DBEC53A}"/>
+              </a:ext>
+            </a:extLst>
+          </p:cNvPr>
+          <p:cNvSpPr>
+            <a:spLocks noGrp="1"/>
+          </p:cNvSpPr>
+          <p:nvPr>
+            <p:ph idx="1"/>
+          </p:nvPr>
+        </p:nvSpPr>
+        <p:spPr/>
+        <p:txBody>
+          <a:bodyPr/>
+          <a:lstStyle/>
+          <a:p>
+            <a:r>
+              <a:rPr lang="he-IL" dirty="0"/>
+              <a:t>מבחן הבודק האם 2 קבוצות/דגימות/אוכלוסיות דומות זו לזו.</a:t>
+            </a:r>
+          </a:p>
+          <a:p>
+            <a:r>
+              <a:rPr lang="he-IL" dirty="0"/>
+              <a:t>המבחן משווה את ה </a:t>
+            </a:r>
+            <a:r>
+              <a:rPr lang="en-US" dirty="0"/>
+              <a:t>mean</a:t>
+            </a:r>
+            <a:r>
+              <a:rPr lang="he-IL" dirty="0"/>
+              <a:t> של 2 קבוצות, ללא קשר לסטיית תקן</a:t>
+            </a:r>
+            <a:r>
+              <a:rPr lang="en-US"/>
+              <a:t> </a:t>
+            </a:r>
+            <a:endParaRPr lang="he-IL" dirty="0"/>
+          </a:p>
+          <a:p>
+            <a:r>
+              <a:rPr lang="he-IL" dirty="0"/>
+              <a:t>הנחה: הקבוצות בעלי התפלגות נורמאלית</a:t>
+            </a:r>
+          </a:p>
+          <a:p>
+            <a:r>
+              <a:rPr lang="he-IL" dirty="0"/>
+              <a:t>תוצאת:</a:t>
+            </a:r>
+          </a:p>
+          <a:p>
+            <a:pPr lvl="1"/>
+            <a:r>
+              <a:rPr lang="en-US" dirty="0"/>
+              <a:t>T-test</a:t>
+            </a:r>
+            <a:r>
+              <a:rPr lang="he-IL" dirty="0"/>
+              <a:t> – ככל שהערך קרוב ל 0:</a:t>
+            </a:r>
+          </a:p>
+          <a:p>
+            <a:pPr lvl="2"/>
+            <a:r>
+              <a:rPr lang="he-IL" dirty="0"/>
+              <a:t> 2 הקבוצות דומות אחת לשנייה (מבחינת דגימות).</a:t>
+            </a:r>
+          </a:p>
+          <a:p>
+            <a:pPr lvl="1"/>
+            <a:r>
+              <a:rPr lang="en-US" dirty="0"/>
+              <a:t>P-value</a:t>
+            </a:r>
+            <a:endParaRPr lang="he-IL" dirty="0"/>
+          </a:p>
+          <a:p>
+            <a:pPr lvl="2"/>
+            <a:r>
+              <a:rPr lang="he-IL" dirty="0"/>
+              <a:t>ככל שקרוב ל 1 -&gt; הקבוצות דומות</a:t>
+            </a:r>
+          </a:p>
+          <a:p>
+            <a:endParaRPr lang="he-IL" dirty="0"/>
+          </a:p>
+          <a:p>
+            <a:endParaRPr lang="he-IL" dirty="0"/>
+          </a:p>
+        </p:txBody>
+      </p:sp>
+    </p:spTree>
+    <p:extLst>
+      <p:ext uri="{BB962C8B-B14F-4D97-AF65-F5344CB8AC3E}">
+        <p14:creationId xmlns:p14="http://schemas.microsoft.com/office/powerpoint/2010/main" val="3374227687"/>
+      </p:ext>
+    </p:extLst>
+  </p:cSld>
+  <p:clrMapOvr>
+    <a:masterClrMapping/>
+  </p:clrMapOvr>
+</p:sld>
+</file>
+
+<file path=ppt/slides/slide8.xml><?xml version="1.0" encoding="utf-8"?>
+<p:sld xmlns:a="http://schemas.openxmlformats.org/drawingml/2006/main" xmlns:r="http://schemas.openxmlformats.org/officeDocument/2006/relationships" xmlns:p="http://schemas.openxmlformats.org/presentationml/2006/main">
+  <p:cSld>
+    <p:spTree>
+      <p:nvGrpSpPr>
+        <p:cNvPr id="1" name=""/>
+        <p:cNvGrpSpPr/>
+        <p:nvPr/>
+      </p:nvGrpSpPr>
+      <p:grpSpPr>
+        <a:xfrm>
+          <a:off x="0" y="0"/>
+          <a:ext cx="0" cy="0"/>
+          <a:chOff x="0" y="0"/>
+          <a:chExt cx="0" cy="0"/>
+        </a:xfrm>
+      </p:grpSpPr>
+      <p:sp>
+        <p:nvSpPr>
+          <p:cNvPr id="2" name="כותרת 1">
+            <a:extLst>
+              <a:ext uri="{FF2B5EF4-FFF2-40B4-BE49-F238E27FC236}">
                 <a16:creationId xmlns:a16="http://schemas.microsoft.com/office/drawing/2014/main" id="{992931ED-E853-47F9-9706-0690D9591C90}"/>
               </a:ext>
             </a:extLst>
@@ -4764,12 +4916,67 @@
             <p:ph idx="1"/>
           </p:nvPr>
         </p:nvSpPr>
-        <p:spPr/>
-        <p:txBody>
-          <a:bodyPr/>
-          <a:lstStyle/>
-          <a:p>
-            <a:endParaRPr lang="he-IL"/>
+        <p:spPr>
+          <a:xfrm>
+            <a:off x="433633" y="1825625"/>
+            <a:ext cx="11510128" cy="4351338"/>
+          </a:xfrm>
+        </p:spPr>
+        <p:txBody>
+          <a:bodyPr/>
+          <a:lstStyle/>
+          <a:p>
+            <a:r>
+              <a:rPr lang="he-IL" dirty="0"/>
+              <a:t>מבחן הבודק אם 2 קבוצות נתונים שונות משמעותית אחת מהשנייה</a:t>
+            </a:r>
+          </a:p>
+          <a:p>
+            <a:pPr lvl="1"/>
+            <a:r>
+              <a:rPr lang="he-IL" dirty="0"/>
+              <a:t>בניגוד ל </a:t>
+            </a:r>
+            <a:r>
+              <a:rPr lang="en-US" dirty="0"/>
+              <a:t>student test (T-test)</a:t>
+            </a:r>
+            <a:r>
+              <a:rPr lang="he-IL" dirty="0"/>
+              <a:t> (המניח התפלגות נורמאלית) , כאן אין הנחה לגבי ההתפלגות.</a:t>
+            </a:r>
+          </a:p>
+          <a:p>
+            <a:r>
+              <a:rPr lang="he-IL" dirty="0"/>
+              <a:t>דוגמא לשימוש:</a:t>
+            </a:r>
+          </a:p>
+          <a:p>
+            <a:pPr lvl="1"/>
+            <a:r>
+              <a:rPr lang="he-IL" dirty="0"/>
+              <a:t>כאשר יש לנו </a:t>
+            </a:r>
+            <a:r>
+              <a:rPr lang="en-US" dirty="0"/>
+              <a:t>Missing values</a:t>
+            </a:r>
+            <a:r>
+              <a:rPr lang="he-IL" dirty="0"/>
+              <a:t> ואנו רוצים לדעת האם ההתפלגות היא נורמאלית או אחרת.</a:t>
+            </a:r>
+          </a:p>
+          <a:p>
+            <a:pPr lvl="1"/>
+            <a:r>
+              <a:rPr lang="he-IL" dirty="0"/>
+              <a:t>אז נרצה להשוות בין התפלגות ידועה (נניח נורמאלית) לבין ההתפלגות הנתונה (עם ערכים חסרים)</a:t>
+            </a:r>
+          </a:p>
+          <a:p>
+            <a:pPr lvl="1"/>
+            <a:endParaRPr lang="he-IL" dirty="0"/>
           </a:p>
         </p:txBody>
       </p:sp>
